--- a/Meta1/SubmissaoFinal/Apresentacao Meta 1 - BD.pptx
+++ b/Meta1/SubmissaoFinal/Apresentacao Meta 1 - BD.pptx
@@ -3257,7 +3257,7 @@
           <a:p>
             <a:fld id="{1303AD5F-FA35-4031-8101-42486EFA4347}" type="datetimeFigureOut">
               <a:rPr lang="pt-PT" smtClean="0"/>
-              <a:t>13/04/2021</a:t>
+              <a:t>14/04/2021</a:t>
             </a:fld>
             <a:endParaRPr lang="pt-PT" dirty="0"/>
           </a:p>
@@ -3735,7 +3735,7 @@
           <a:p>
             <a:fld id="{471B0E21-55E2-436E-8072-0F7F3758AA5E}" type="datetimeFigureOut">
               <a:rPr lang="pt-PT" smtClean="0"/>
-              <a:t>13/04/2021</a:t>
+              <a:t>14/04/2021</a:t>
             </a:fld>
             <a:endParaRPr lang="pt-PT" dirty="0"/>
           </a:p>
@@ -3956,7 +3956,7 @@
           <a:p>
             <a:fld id="{471B0E21-55E2-436E-8072-0F7F3758AA5E}" type="datetimeFigureOut">
               <a:rPr lang="pt-PT" smtClean="0"/>
-              <a:t>13/04/2021</a:t>
+              <a:t>14/04/2021</a:t>
             </a:fld>
             <a:endParaRPr lang="pt-PT" dirty="0"/>
           </a:p>
@@ -4136,7 +4136,7 @@
           <a:p>
             <a:fld id="{471B0E21-55E2-436E-8072-0F7F3758AA5E}" type="datetimeFigureOut">
               <a:rPr lang="pt-PT" smtClean="0"/>
-              <a:t>13/04/2021</a:t>
+              <a:t>14/04/2021</a:t>
             </a:fld>
             <a:endParaRPr lang="pt-PT" dirty="0"/>
           </a:p>
@@ -4306,7 +4306,7 @@
           <a:p>
             <a:fld id="{471B0E21-55E2-436E-8072-0F7F3758AA5E}" type="datetimeFigureOut">
               <a:rPr lang="pt-PT" smtClean="0"/>
-              <a:t>13/04/2021</a:t>
+              <a:t>14/04/2021</a:t>
             </a:fld>
             <a:endParaRPr lang="pt-PT" dirty="0"/>
           </a:p>
@@ -4580,7 +4580,7 @@
           <a:p>
             <a:fld id="{471B0E21-55E2-436E-8072-0F7F3758AA5E}" type="datetimeFigureOut">
               <a:rPr lang="pt-PT" smtClean="0"/>
-              <a:t>13/04/2021</a:t>
+              <a:t>14/04/2021</a:t>
             </a:fld>
             <a:endParaRPr lang="pt-PT" dirty="0"/>
           </a:p>
@@ -4903,7 +4903,7 @@
           <a:p>
             <a:fld id="{471B0E21-55E2-436E-8072-0F7F3758AA5E}" type="datetimeFigureOut">
               <a:rPr lang="pt-PT" smtClean="0"/>
-              <a:t>13/04/2021</a:t>
+              <a:t>14/04/2021</a:t>
             </a:fld>
             <a:endParaRPr lang="pt-PT" dirty="0"/>
           </a:p>
@@ -5327,7 +5327,7 @@
           <a:p>
             <a:fld id="{471B0E21-55E2-436E-8072-0F7F3758AA5E}" type="datetimeFigureOut">
               <a:rPr lang="pt-PT" smtClean="0"/>
-              <a:t>13/04/2021</a:t>
+              <a:t>14/04/2021</a:t>
             </a:fld>
             <a:endParaRPr lang="pt-PT" dirty="0"/>
           </a:p>
@@ -5445,7 +5445,7 @@
           <a:p>
             <a:fld id="{471B0E21-55E2-436E-8072-0F7F3758AA5E}" type="datetimeFigureOut">
               <a:rPr lang="pt-PT" smtClean="0"/>
-              <a:t>13/04/2021</a:t>
+              <a:t>14/04/2021</a:t>
             </a:fld>
             <a:endParaRPr lang="pt-PT" dirty="0"/>
           </a:p>
@@ -5540,7 +5540,7 @@
           <a:p>
             <a:fld id="{471B0E21-55E2-436E-8072-0F7F3758AA5E}" type="datetimeFigureOut">
               <a:rPr lang="pt-PT" smtClean="0"/>
-              <a:t>13/04/2021</a:t>
+              <a:t>14/04/2021</a:t>
             </a:fld>
             <a:endParaRPr lang="pt-PT" dirty="0"/>
           </a:p>
@@ -5830,7 +5830,7 @@
           <a:p>
             <a:fld id="{471B0E21-55E2-436E-8072-0F7F3758AA5E}" type="datetimeFigureOut">
               <a:rPr lang="pt-PT" smtClean="0"/>
-              <a:t>13/04/2021</a:t>
+              <a:t>14/04/2021</a:t>
             </a:fld>
             <a:endParaRPr lang="pt-PT" dirty="0"/>
           </a:p>
@@ -6102,7 +6102,7 @@
           <a:p>
             <a:fld id="{471B0E21-55E2-436E-8072-0F7F3758AA5E}" type="datetimeFigureOut">
               <a:rPr lang="pt-PT" smtClean="0"/>
-              <a:t>13/04/2021</a:t>
+              <a:t>14/04/2021</a:t>
             </a:fld>
             <a:endParaRPr lang="pt-PT" dirty="0"/>
           </a:p>
@@ -6356,7 +6356,7 @@
           <a:p>
             <a:fld id="{471B0E21-55E2-436E-8072-0F7F3758AA5E}" type="datetimeFigureOut">
               <a:rPr lang="pt-PT" smtClean="0"/>
-              <a:t>13/04/2021</a:t>
+              <a:t>14/04/2021</a:t>
             </a:fld>
             <a:endParaRPr lang="pt-PT" dirty="0"/>
           </a:p>
@@ -7351,7 +7351,7 @@
       </p:sp>
       <p:pic>
         <p:nvPicPr>
-          <p:cNvPr id="4" name="Imagem 3"/>
+          <p:cNvPr id="3" name="Imagem 2"/>
           <p:cNvPicPr>
             <a:picLocks noChangeAspect="1"/>
           </p:cNvPicPr>
@@ -7371,8 +7371,8 @@
         </p:blipFill>
         <p:spPr>
           <a:xfrm>
-            <a:off x="367553" y="427202"/>
-            <a:ext cx="11403106" cy="6080029"/>
+            <a:off x="322729" y="636551"/>
+            <a:ext cx="11574323" cy="5710461"/>
           </a:xfrm>
           <a:prstGeom prst="rect">
             <a:avLst/>
@@ -7597,7 +7597,15 @@
                   <a:schemeClr val="tx1"/>
                 </a:solidFill>
               </a:rPr>
-              <a:t>) que podem banir utilizadores e terminal </a:t>
+              <a:t>) que podem banir utilizadores e </a:t>
+            </a:r>
+            <a:r>
+              <a:rPr lang="pt-PT" sz="1800" dirty="0" smtClean="0">
+                <a:solidFill>
+                  <a:schemeClr val="tx1"/>
+                </a:solidFill>
+              </a:rPr>
+              <a:t>terminar </a:t>
             </a:r>
             <a:r>
               <a:rPr lang="pt-PT" sz="1800" dirty="0" smtClean="0">
@@ -7926,7 +7934,7 @@
       </p:sp>
       <p:pic>
         <p:nvPicPr>
-          <p:cNvPr id="3" name="Imagem 2"/>
+          <p:cNvPr id="4" name="Imagem 3"/>
           <p:cNvPicPr>
             <a:picLocks noChangeAspect="1"/>
           </p:cNvPicPr>
@@ -7946,8 +7954,8 @@
         </p:blipFill>
         <p:spPr>
           <a:xfrm>
-            <a:off x="394447" y="382723"/>
-            <a:ext cx="11502461" cy="6161512"/>
+            <a:off x="376517" y="971256"/>
+            <a:ext cx="11438965" cy="5393276"/>
           </a:xfrm>
           <a:prstGeom prst="rect">
             <a:avLst/>

--- a/Meta1/SubmissaoFinal/Apresentacao Meta 1 - BD.pptx
+++ b/Meta1/SubmissaoFinal/Apresentacao Meta 1 - BD.pptx
@@ -7250,8 +7250,21 @@
                   <a:schemeClr val="tx1"/>
                 </a:solidFill>
               </a:rPr>
-              <a:t>O projeto proposto para a edição de Base de Dados de 2020/2021 consiste na criação de um sistema de leilões online.</a:t>
-            </a:r>
+              <a:t>O projeto proposto para a edição de Base de Dados de 2020/2021 consiste na criação de um sistema de leilões </a:t>
+            </a:r>
+            <a:r>
+              <a:rPr lang="pt-PT" sz="2000" dirty="0" smtClean="0">
+                <a:solidFill>
+                  <a:schemeClr val="tx1"/>
+                </a:solidFill>
+              </a:rPr>
+              <a:t>online, integrando uma API REST.</a:t>
+            </a:r>
+            <a:endParaRPr lang="pt-PT" sz="2000" dirty="0">
+              <a:solidFill>
+                <a:schemeClr val="tx1"/>
+              </a:solidFill>
+            </a:endParaRPr>
           </a:p>
           <a:p>
             <a:pPr algn="just">
@@ -7270,6 +7283,30 @@
           </a:p>
         </p:txBody>
       </p:sp>
+      <p:pic>
+        <p:nvPicPr>
+          <p:cNvPr id="4" name="Imagem 3"/>
+          <p:cNvPicPr>
+            <a:picLocks noChangeAspect="1"/>
+          </p:cNvPicPr>
+          <p:nvPr/>
+        </p:nvPicPr>
+        <p:blipFill>
+          <a:blip r:embed="rId2"/>
+          <a:stretch>
+            <a:fillRect/>
+          </a:stretch>
+        </p:blipFill>
+        <p:spPr>
+          <a:xfrm>
+            <a:off x="4203010" y="4352925"/>
+            <a:ext cx="3752850" cy="1743075"/>
+          </a:xfrm>
+          <a:prstGeom prst="rect">
+            <a:avLst/>
+          </a:prstGeom>
+        </p:spPr>
+      </p:pic>
     </p:spTree>
     <p:extLst>
       <p:ext uri="{BB962C8B-B14F-4D97-AF65-F5344CB8AC3E}">
@@ -7605,15 +7642,7 @@
                   <a:schemeClr val="tx1"/>
                 </a:solidFill>
               </a:rPr>
-              <a:t>terminar </a:t>
-            </a:r>
-            <a:r>
-              <a:rPr lang="pt-PT" sz="1800" dirty="0" smtClean="0">
-                <a:solidFill>
-                  <a:schemeClr val="tx1"/>
-                </a:solidFill>
-              </a:rPr>
-              <a:t>leilões;</a:t>
+              <a:t>terminar leilões;</a:t>
             </a:r>
             <a:endParaRPr lang="pt-PT" sz="1800" dirty="0">
               <a:solidFill>
@@ -7871,6 +7900,13 @@
   <p:clrMapOvr>
     <a:masterClrMapping/>
   </p:clrMapOvr>
+  <p:timing>
+    <p:tnLst>
+      <p:par>
+        <p:cTn id="1" dur="indefinite" restart="never" nodeType="tmRoot"/>
+      </p:par>
+    </p:tnLst>
+  </p:timing>
 </p:sld>
 </file>
 
@@ -7972,6 +8008,13 @@
   <p:clrMapOvr>
     <a:masterClrMapping/>
   </p:clrMapOvr>
+  <p:timing>
+    <p:tnLst>
+      <p:par>
+        <p:cTn id="1" dur="indefinite" restart="never" nodeType="tmRoot"/>
+      </p:par>
+    </p:tnLst>
+  </p:timing>
 </p:sld>
 </file>
 
@@ -8317,6 +8360,13 @@
   <p:clrMapOvr>
     <a:masterClrMapping/>
   </p:clrMapOvr>
+  <p:timing>
+    <p:tnLst>
+      <p:par>
+        <p:cTn id="1" dur="indefinite" restart="never" nodeType="tmRoot"/>
+      </p:par>
+    </p:tnLst>
+  </p:timing>
 </p:sld>
 </file>
 
@@ -8491,6 +8541,13 @@
   <p:clrMapOvr>
     <a:masterClrMapping/>
   </p:clrMapOvr>
+  <p:timing>
+    <p:tnLst>
+      <p:par>
+        <p:cTn id="1" dur="indefinite" restart="never" nodeType="tmRoot"/>
+      </p:par>
+    </p:tnLst>
+  </p:timing>
 </p:sld>
 </file>
 
